--- a/docs/diagrams/ModelComponentClassDiagram.pptx
+++ b/docs/diagrams/ModelComponentClassDiagram.pptx
@@ -107,6 +107,22 @@
       </a:defRPr>
     </a:lvl9pPr>
   </p:defaultTextStyle>
+  <p:extLst>
+    <p:ext uri="{EFAFB233-063F-42B5-8137-9DF3F51BA10A}">
+      <p15:sldGuideLst xmlns:p15="http://schemas.microsoft.com/office/powerpoint/2012/main">
+        <p15:guide id="1" orient="horz" pos="1488">
+          <p15:clr>
+            <a:srgbClr val="A4A3A4"/>
+          </p15:clr>
+        </p15:guide>
+        <p15:guide id="2" pos="2880">
+          <p15:clr>
+            <a:srgbClr val="A4A3A4"/>
+          </p15:clr>
+        </p15:guide>
+      </p15:sldGuideLst>
+    </p:ext>
+  </p:extLst>
 </p:presentation>
 </file>
 
@@ -192,7 +208,7 @@
           <a:p>
             <a:fld id="{F5CC4B3F-88C1-4FFA-B1B6-F41C21DC6924}" type="datetimeFigureOut">
               <a:rPr lang="en-US" smtClean="0"/>
-              <a:t>11/19/2016</a:t>
+              <a:t>4/9/17</a:t>
             </a:fld>
             <a:endParaRPr lang="en-US"/>
           </a:p>
@@ -641,7 +657,7 @@
           <a:p>
             <a:fld id="{78C97017-6FC3-485B-9764-EAC9E56C1D49}" type="datetimeFigureOut">
               <a:rPr lang="en-US" smtClean="0"/>
-              <a:t>11/19/2016</a:t>
+              <a:t>4/9/17</a:t>
             </a:fld>
             <a:endParaRPr lang="en-US"/>
           </a:p>
@@ -811,7 +827,7 @@
           <a:p>
             <a:fld id="{78C97017-6FC3-485B-9764-EAC9E56C1D49}" type="datetimeFigureOut">
               <a:rPr lang="en-US" smtClean="0"/>
-              <a:t>11/19/2016</a:t>
+              <a:t>4/9/17</a:t>
             </a:fld>
             <a:endParaRPr lang="en-US"/>
           </a:p>
@@ -991,7 +1007,7 @@
           <a:p>
             <a:fld id="{78C97017-6FC3-485B-9764-EAC9E56C1D49}" type="datetimeFigureOut">
               <a:rPr lang="en-US" smtClean="0"/>
-              <a:t>11/19/2016</a:t>
+              <a:t>4/9/17</a:t>
             </a:fld>
             <a:endParaRPr lang="en-US"/>
           </a:p>
@@ -1161,7 +1177,7 @@
           <a:p>
             <a:fld id="{78C97017-6FC3-485B-9764-EAC9E56C1D49}" type="datetimeFigureOut">
               <a:rPr lang="en-US" smtClean="0"/>
-              <a:t>11/19/2016</a:t>
+              <a:t>4/9/17</a:t>
             </a:fld>
             <a:endParaRPr lang="en-US"/>
           </a:p>
@@ -1407,7 +1423,7 @@
           <a:p>
             <a:fld id="{78C97017-6FC3-485B-9764-EAC9E56C1D49}" type="datetimeFigureOut">
               <a:rPr lang="en-US" smtClean="0"/>
-              <a:t>11/19/2016</a:t>
+              <a:t>4/9/17</a:t>
             </a:fld>
             <a:endParaRPr lang="en-US"/>
           </a:p>
@@ -1695,7 +1711,7 @@
           <a:p>
             <a:fld id="{78C97017-6FC3-485B-9764-EAC9E56C1D49}" type="datetimeFigureOut">
               <a:rPr lang="en-US" smtClean="0"/>
-              <a:t>11/19/2016</a:t>
+              <a:t>4/9/17</a:t>
             </a:fld>
             <a:endParaRPr lang="en-US"/>
           </a:p>
@@ -2117,7 +2133,7 @@
           <a:p>
             <a:fld id="{78C97017-6FC3-485B-9764-EAC9E56C1D49}" type="datetimeFigureOut">
               <a:rPr lang="en-US" smtClean="0"/>
-              <a:t>11/19/2016</a:t>
+              <a:t>4/9/17</a:t>
             </a:fld>
             <a:endParaRPr lang="en-US"/>
           </a:p>
@@ -2235,7 +2251,7 @@
           <a:p>
             <a:fld id="{78C97017-6FC3-485B-9764-EAC9E56C1D49}" type="datetimeFigureOut">
               <a:rPr lang="en-US" smtClean="0"/>
-              <a:t>11/19/2016</a:t>
+              <a:t>4/9/17</a:t>
             </a:fld>
             <a:endParaRPr lang="en-US"/>
           </a:p>
@@ -2330,7 +2346,7 @@
           <a:p>
             <a:fld id="{78C97017-6FC3-485B-9764-EAC9E56C1D49}" type="datetimeFigureOut">
               <a:rPr lang="en-US" smtClean="0"/>
-              <a:t>11/19/2016</a:t>
+              <a:t>4/9/17</a:t>
             </a:fld>
             <a:endParaRPr lang="en-US"/>
           </a:p>
@@ -2607,7 +2623,7 @@
           <a:p>
             <a:fld id="{78C97017-6FC3-485B-9764-EAC9E56C1D49}" type="datetimeFigureOut">
               <a:rPr lang="en-US" smtClean="0"/>
-              <a:t>11/19/2016</a:t>
+              <a:t>4/9/17</a:t>
             </a:fld>
             <a:endParaRPr lang="en-US"/>
           </a:p>
@@ -2860,7 +2876,7 @@
           <a:p>
             <a:fld id="{78C97017-6FC3-485B-9764-EAC9E56C1D49}" type="datetimeFigureOut">
               <a:rPr lang="en-US" smtClean="0"/>
-              <a:t>11/19/2016</a:t>
+              <a:t>4/9/17</a:t>
             </a:fld>
             <a:endParaRPr lang="en-US"/>
           </a:p>
@@ -3073,7 +3089,7 @@
           <a:p>
             <a:fld id="{78C97017-6FC3-485B-9764-EAC9E56C1D49}" type="datetimeFigureOut">
               <a:rPr lang="en-US" smtClean="0"/>
-              <a:t>11/19/2016</a:t>
+              <a:t>4/9/17</a:t>
             </a:fld>
             <a:endParaRPr lang="en-US"/>
           </a:p>
@@ -4096,7 +4112,7 @@
                   <a:srgbClr val="7030A0"/>
                 </a:solidFill>
               </a:rPr>
-              <a:t>AddressBook</a:t>
+              <a:t>ToDoApp</a:t>
             </a:r>
             <a:endParaRPr lang="en-SG" sz="1050" dirty="0">
               <a:solidFill>
@@ -4238,7 +4254,7 @@
                   <a:srgbClr val="7030A0"/>
                 </a:solidFill>
               </a:rPr>
-              <a:t>UniquePersonList</a:t>
+              <a:t>UniqueTaskList</a:t>
             </a:r>
             <a:endParaRPr lang="en-SG" sz="1050" dirty="0">
               <a:solidFill>
@@ -4481,7 +4497,7 @@
                   <a:srgbClr val="7030A0"/>
                 </a:solidFill>
               </a:rPr>
-              <a:t>Person</a:t>
+              <a:t>Task</a:t>
             </a:r>
             <a:endParaRPr lang="en-SG" sz="1050" dirty="0">
               <a:solidFill>
@@ -4780,7 +4796,7 @@
                   <a:srgbClr val="7030A0"/>
                 </a:solidFill>
               </a:rPr>
-              <a:t>ReadOnlyPerson</a:t>
+              <a:t>ReadOnlyTask</a:t>
             </a:r>
             <a:endParaRPr lang="en-SG" sz="1050" dirty="0">
               <a:solidFill>
@@ -4798,7 +4814,7 @@
         </p:nvSpPr>
         <p:spPr>
           <a:xfrm>
-            <a:off x="7712397" y="2564238"/>
+            <a:off x="7717153" y="2271131"/>
             <a:ext cx="708186" cy="285783"/>
           </a:xfrm>
           <a:prstGeom prst="rect">
@@ -4904,8 +4920,8 @@
         </p:nvCxnSpPr>
         <p:spPr>
           <a:xfrm flipV="1">
-            <a:off x="7277995" y="2707130"/>
-            <a:ext cx="434402" cy="327761"/>
+            <a:off x="7277995" y="2414023"/>
+            <a:ext cx="439158" cy="620868"/>
           </a:xfrm>
           <a:prstGeom prst="bentConnector3">
             <a:avLst/>
@@ -4942,7 +4958,7 @@
         </p:nvSpPr>
         <p:spPr>
           <a:xfrm>
-            <a:off x="7712397" y="2887216"/>
+            <a:off x="7717153" y="2594109"/>
             <a:ext cx="708186" cy="285783"/>
           </a:xfrm>
           <a:prstGeom prst="rect">
@@ -4980,7 +4996,7 @@
                   <a:srgbClr val="7030A0"/>
                 </a:solidFill>
               </a:rPr>
-              <a:t>Phone</a:t>
+              <a:t>Start</a:t>
             </a:r>
             <a:endParaRPr lang="en-SG" sz="1050" dirty="0">
               <a:solidFill>
@@ -5001,8 +5017,8 @@
         </p:nvCxnSpPr>
         <p:spPr>
           <a:xfrm flipV="1">
-            <a:off x="7277995" y="3030108"/>
-            <a:ext cx="434402" cy="4783"/>
+            <a:off x="7277995" y="2737001"/>
+            <a:ext cx="439158" cy="297890"/>
           </a:xfrm>
           <a:prstGeom prst="bentConnector3">
             <a:avLst/>
@@ -5039,7 +5055,7 @@
         </p:nvSpPr>
         <p:spPr>
           <a:xfrm>
-            <a:off x="7712397" y="3210194"/>
+            <a:off x="7717153" y="2917087"/>
             <a:ext cx="708186" cy="285783"/>
           </a:xfrm>
           <a:prstGeom prst="rect">
@@ -5077,7 +5093,7 @@
                   <a:srgbClr val="7030A0"/>
                 </a:solidFill>
               </a:rPr>
-              <a:t>Email</a:t>
+              <a:t>Deadline</a:t>
             </a:r>
             <a:endParaRPr lang="en-SG" sz="1050" dirty="0">
               <a:solidFill>
@@ -5099,7 +5115,7 @@
         <p:spPr>
           <a:xfrm>
             <a:off x="7277995" y="3034891"/>
-            <a:ext cx="434402" cy="318195"/>
+            <a:ext cx="439158" cy="25088"/>
           </a:xfrm>
           <a:prstGeom prst="bentConnector3">
             <a:avLst/>
@@ -5136,7 +5152,7 @@
         </p:nvSpPr>
         <p:spPr>
           <a:xfrm>
-            <a:off x="7712397" y="3533171"/>
+            <a:off x="7717153" y="3240064"/>
             <a:ext cx="708186" cy="285783"/>
           </a:xfrm>
           <a:prstGeom prst="rect">
@@ -5169,12 +5185,12 @@
           <a:p>
             <a:pPr algn="ctr"/>
             <a:r>
-              <a:rPr lang="en-US" sz="1050" dirty="0" smtClean="0">
+              <a:rPr lang="en-US" sz="1050" smtClean="0">
                 <a:solidFill>
                   <a:srgbClr val="7030A0"/>
                 </a:solidFill>
               </a:rPr>
-              <a:t>Address</a:t>
+              <a:t>Priority</a:t>
             </a:r>
             <a:endParaRPr lang="en-SG" sz="1050" dirty="0">
               <a:solidFill>
@@ -5196,7 +5212,7 @@
         <p:spPr>
           <a:xfrm>
             <a:off x="7277995" y="3034891"/>
-            <a:ext cx="434402" cy="641172"/>
+            <a:ext cx="439158" cy="348065"/>
           </a:xfrm>
           <a:prstGeom prst="bentConnector3">
             <a:avLst/>
@@ -5377,7 +5393,7 @@
                   <a:srgbClr val="7030A0"/>
                 </a:solidFill>
               </a:rPr>
-              <a:t>ReadOnlyAddressBook</a:t>
+              <a:t>ReadOnlyToDoApp</a:t>
             </a:r>
             <a:endParaRPr lang="en-SG" sz="1050" dirty="0">
               <a:solidFill>
@@ -5900,6 +5916,291 @@
           </a:p>
         </p:txBody>
       </p:sp>
+      <p:sp>
+        <p:nvSpPr>
+          <p:cNvPr id="55" name="Rectangle 8"/>
+          <p:cNvSpPr/>
+          <p:nvPr/>
+        </p:nvSpPr>
+        <p:spPr>
+          <a:xfrm>
+            <a:off x="7717153" y="3544171"/>
+            <a:ext cx="708186" cy="285783"/>
+          </a:xfrm>
+          <a:prstGeom prst="rect">
+            <a:avLst/>
+          </a:prstGeom>
+          <a:ln w="19050">
+            <a:solidFill>
+              <a:srgbClr val="7030A0"/>
+            </a:solidFill>
+          </a:ln>
+          <a:effectLst/>
+        </p:spPr>
+        <p:style>
+          <a:lnRef idx="1">
+            <a:schemeClr val="accent4"/>
+          </a:lnRef>
+          <a:fillRef idx="2">
+            <a:schemeClr val="accent4"/>
+          </a:fillRef>
+          <a:effectRef idx="1">
+            <a:schemeClr val="accent4"/>
+          </a:effectRef>
+          <a:fontRef idx="minor">
+            <a:schemeClr val="dk1"/>
+          </a:fontRef>
+        </p:style>
+        <p:txBody>
+          <a:bodyPr rtlCol="0" anchor="ctr"/>
+          <a:lstStyle/>
+          <a:p>
+            <a:pPr algn="ctr"/>
+            <a:r>
+              <a:rPr lang="en-US" sz="1050" dirty="0" smtClean="0">
+                <a:solidFill>
+                  <a:srgbClr val="7030A0"/>
+                </a:solidFill>
+              </a:rPr>
+              <a:t>Notes</a:t>
+            </a:r>
+          </a:p>
+        </p:txBody>
+      </p:sp>
+      <p:sp>
+        <p:nvSpPr>
+          <p:cNvPr id="73" name="Rectangle 8"/>
+          <p:cNvSpPr/>
+          <p:nvPr/>
+        </p:nvSpPr>
+        <p:spPr>
+          <a:xfrm>
+            <a:off x="7717153" y="4152833"/>
+            <a:ext cx="708186" cy="285783"/>
+          </a:xfrm>
+          <a:prstGeom prst="rect">
+            <a:avLst/>
+          </a:prstGeom>
+          <a:ln w="19050">
+            <a:solidFill>
+              <a:srgbClr val="7030A0"/>
+            </a:solidFill>
+          </a:ln>
+          <a:effectLst/>
+        </p:spPr>
+        <p:style>
+          <a:lnRef idx="1">
+            <a:schemeClr val="accent4"/>
+          </a:lnRef>
+          <a:fillRef idx="2">
+            <a:schemeClr val="accent4"/>
+          </a:fillRef>
+          <a:effectRef idx="1">
+            <a:schemeClr val="accent4"/>
+          </a:effectRef>
+          <a:fontRef idx="minor">
+            <a:schemeClr val="dk1"/>
+          </a:fontRef>
+        </p:style>
+        <p:txBody>
+          <a:bodyPr rtlCol="0" anchor="ctr"/>
+          <a:lstStyle/>
+          <a:p>
+            <a:pPr algn="ctr"/>
+            <a:r>
+              <a:rPr lang="en-US" sz="800" dirty="0" smtClean="0">
+                <a:solidFill>
+                  <a:srgbClr val="7030A0"/>
+                </a:solidFill>
+              </a:rPr>
+              <a:t>Completion</a:t>
+            </a:r>
+          </a:p>
+        </p:txBody>
+      </p:sp>
+      <p:sp>
+        <p:nvSpPr>
+          <p:cNvPr id="74" name="Rectangle 8"/>
+          <p:cNvSpPr/>
+          <p:nvPr/>
+        </p:nvSpPr>
+        <p:spPr>
+          <a:xfrm>
+            <a:off x="7717153" y="3848502"/>
+            <a:ext cx="708186" cy="285783"/>
+          </a:xfrm>
+          <a:prstGeom prst="rect">
+            <a:avLst/>
+          </a:prstGeom>
+          <a:ln w="19050">
+            <a:solidFill>
+              <a:srgbClr val="7030A0"/>
+            </a:solidFill>
+          </a:ln>
+          <a:effectLst/>
+        </p:spPr>
+        <p:style>
+          <a:lnRef idx="1">
+            <a:schemeClr val="accent4"/>
+          </a:lnRef>
+          <a:fillRef idx="2">
+            <a:schemeClr val="accent4"/>
+          </a:fillRef>
+          <a:effectRef idx="1">
+            <a:schemeClr val="accent4"/>
+          </a:effectRef>
+          <a:fontRef idx="minor">
+            <a:schemeClr val="dk1"/>
+          </a:fontRef>
+        </p:style>
+        <p:txBody>
+          <a:bodyPr rtlCol="0" anchor="ctr"/>
+          <a:lstStyle/>
+          <a:p>
+            <a:pPr algn="ctr"/>
+            <a:r>
+              <a:rPr lang="en-US" sz="1050" smtClean="0">
+                <a:solidFill>
+                  <a:srgbClr val="7030A0"/>
+                </a:solidFill>
+              </a:rPr>
+              <a:t>Venue</a:t>
+            </a:r>
+            <a:endParaRPr lang="en-US" sz="1050" dirty="0" smtClean="0">
+              <a:solidFill>
+                <a:srgbClr val="7030A0"/>
+              </a:solidFill>
+            </a:endParaRPr>
+          </a:p>
+        </p:txBody>
+      </p:sp>
+      <p:cxnSp>
+        <p:nvCxnSpPr>
+          <p:cNvPr id="88" name="Elbow Connector 87"/>
+          <p:cNvCxnSpPr>
+            <a:stCxn id="78" idx="3"/>
+            <a:endCxn id="55" idx="1"/>
+          </p:cNvCxnSpPr>
+          <p:nvPr/>
+        </p:nvCxnSpPr>
+        <p:spPr>
+          <a:xfrm>
+            <a:off x="7277995" y="3034891"/>
+            <a:ext cx="439158" cy="652172"/>
+          </a:xfrm>
+          <a:prstGeom prst="bentConnector3">
+            <a:avLst/>
+          </a:prstGeom>
+          <a:ln w="19050">
+            <a:solidFill>
+              <a:srgbClr val="7030A0"/>
+            </a:solidFill>
+            <a:headEnd type="none" w="med" len="med"/>
+            <a:tailEnd type="arrow" w="med" len="med"/>
+          </a:ln>
+          <a:effectLst/>
+        </p:spPr>
+        <p:style>
+          <a:lnRef idx="1">
+            <a:schemeClr val="accent2"/>
+          </a:lnRef>
+          <a:fillRef idx="2">
+            <a:schemeClr val="accent2"/>
+          </a:fillRef>
+          <a:effectRef idx="1">
+            <a:schemeClr val="accent2"/>
+          </a:effectRef>
+          <a:fontRef idx="minor">
+            <a:schemeClr val="dk1"/>
+          </a:fontRef>
+        </p:style>
+      </p:cxnSp>
+      <p:cxnSp>
+        <p:nvCxnSpPr>
+          <p:cNvPr id="89" name="Elbow Connector 88"/>
+          <p:cNvCxnSpPr>
+            <a:stCxn id="78" idx="3"/>
+            <a:endCxn id="74" idx="1"/>
+          </p:cNvCxnSpPr>
+          <p:nvPr/>
+        </p:nvCxnSpPr>
+        <p:spPr>
+          <a:xfrm>
+            <a:off x="7277995" y="3034891"/>
+            <a:ext cx="439158" cy="956503"/>
+          </a:xfrm>
+          <a:prstGeom prst="bentConnector3">
+            <a:avLst>
+              <a:gd name="adj1" fmla="val 50000"/>
+            </a:avLst>
+          </a:prstGeom>
+          <a:ln w="19050">
+            <a:solidFill>
+              <a:srgbClr val="7030A0"/>
+            </a:solidFill>
+            <a:headEnd type="none" w="med" len="med"/>
+            <a:tailEnd type="arrow" w="med" len="med"/>
+          </a:ln>
+          <a:effectLst/>
+        </p:spPr>
+        <p:style>
+          <a:lnRef idx="1">
+            <a:schemeClr val="accent2"/>
+          </a:lnRef>
+          <a:fillRef idx="2">
+            <a:schemeClr val="accent2"/>
+          </a:fillRef>
+          <a:effectRef idx="1">
+            <a:schemeClr val="accent2"/>
+          </a:effectRef>
+          <a:fontRef idx="minor">
+            <a:schemeClr val="dk1"/>
+          </a:fontRef>
+        </p:style>
+      </p:cxnSp>
+      <p:cxnSp>
+        <p:nvCxnSpPr>
+          <p:cNvPr id="90" name="Elbow Connector 89"/>
+          <p:cNvCxnSpPr>
+            <a:stCxn id="78" idx="3"/>
+            <a:endCxn id="73" idx="1"/>
+          </p:cNvCxnSpPr>
+          <p:nvPr/>
+        </p:nvCxnSpPr>
+        <p:spPr>
+          <a:xfrm>
+            <a:off x="7277995" y="3034891"/>
+            <a:ext cx="439158" cy="1260834"/>
+          </a:xfrm>
+          <a:prstGeom prst="bentConnector3">
+            <a:avLst>
+              <a:gd name="adj1" fmla="val 50000"/>
+            </a:avLst>
+          </a:prstGeom>
+          <a:ln w="19050">
+            <a:solidFill>
+              <a:srgbClr val="7030A0"/>
+            </a:solidFill>
+            <a:headEnd type="none" w="med" len="med"/>
+            <a:tailEnd type="arrow" w="med" len="med"/>
+          </a:ln>
+          <a:effectLst/>
+        </p:spPr>
+        <p:style>
+          <a:lnRef idx="1">
+            <a:schemeClr val="accent2"/>
+          </a:lnRef>
+          <a:fillRef idx="2">
+            <a:schemeClr val="accent2"/>
+          </a:fillRef>
+          <a:effectRef idx="1">
+            <a:schemeClr val="accent2"/>
+          </a:effectRef>
+          <a:fontRef idx="minor">
+            <a:schemeClr val="dk1"/>
+          </a:fontRef>
+        </p:style>
+      </p:cxnSp>
     </p:spTree>
     <p:extLst>
       <p:ext uri="{BB962C8B-B14F-4D97-AF65-F5344CB8AC3E}">
